--- a/Topic A Computer Systems/A.5 Lesson - Binary Numbers.pptx
+++ b/Topic A Computer Systems/A.5 Lesson - Binary Numbers.pptx
@@ -3177,11 +3177,6 @@
               </a:rPr>
               <a:t>3 decimal 	(i.e. 2 + 1)</a:t>
             </a:r>
-            <a:endParaRPr lang="en-CA" dirty="0" smtClean="0">
-              <a:solidFill>
-                <a:srgbClr val="FF0000"/>
-              </a:solidFill>
-            </a:endParaRPr>
           </a:p>
           <a:p>
             <a:pPr marL="514350" indent="-514350">
@@ -3392,15 +3387,7 @@
                   <a:srgbClr val="FF0000"/>
                 </a:solidFill>
               </a:rPr>
-              <a:t>1101 </a:t>
-            </a:r>
-            <a:r>
-              <a:rPr lang="en-CA" dirty="0" smtClean="0">
-                <a:solidFill>
-                  <a:srgbClr val="FF0000"/>
-                </a:solidFill>
-              </a:rPr>
-              <a:t>binary	(</a:t>
+              <a:t>1101 binary	(</a:t>
             </a:r>
             <a:r>
               <a:rPr lang="en-CA" dirty="0">
@@ -3567,49 +3554,49 @@
                 <a:gridCol w="398932">
                   <a:extLst>
                     <a:ext uri="{9D8B030D-6E8A-4147-A177-3AD203B41FA5}">
-                      <a16:colId xmlns:a16="http://schemas.microsoft.com/office/drawing/2014/main" val="20000"/>
+                      <a16:colId xmlns:a16="http://schemas.microsoft.com/office/drawing/2014/main" xmlns="" val="20000"/>
                     </a:ext>
                   </a:extLst>
                 </a:gridCol>
                 <a:gridCol w="1187645">
                   <a:extLst>
                     <a:ext uri="{9D8B030D-6E8A-4147-A177-3AD203B41FA5}">
-                      <a16:colId xmlns:a16="http://schemas.microsoft.com/office/drawing/2014/main" val="20001"/>
+                      <a16:colId xmlns:a16="http://schemas.microsoft.com/office/drawing/2014/main" xmlns="" val="20001"/>
                     </a:ext>
                   </a:extLst>
                 </a:gridCol>
                 <a:gridCol w="1506248">
                   <a:extLst>
                     <a:ext uri="{9D8B030D-6E8A-4147-A177-3AD203B41FA5}">
-                      <a16:colId xmlns:a16="http://schemas.microsoft.com/office/drawing/2014/main" val="20002"/>
+                      <a16:colId xmlns:a16="http://schemas.microsoft.com/office/drawing/2014/main" xmlns="" val="20002"/>
                     </a:ext>
                   </a:extLst>
                 </a:gridCol>
                 <a:gridCol w="506507">
                   <a:extLst>
                     <a:ext uri="{9D8B030D-6E8A-4147-A177-3AD203B41FA5}">
-                      <a16:colId xmlns:a16="http://schemas.microsoft.com/office/drawing/2014/main" val="20003"/>
+                      <a16:colId xmlns:a16="http://schemas.microsoft.com/office/drawing/2014/main" xmlns="" val="20003"/>
                     </a:ext>
                   </a:extLst>
                 </a:gridCol>
                 <a:gridCol w="468630">
                   <a:extLst>
                     <a:ext uri="{9D8B030D-6E8A-4147-A177-3AD203B41FA5}">
-                      <a16:colId xmlns:a16="http://schemas.microsoft.com/office/drawing/2014/main" val="20004"/>
+                      <a16:colId xmlns:a16="http://schemas.microsoft.com/office/drawing/2014/main" xmlns="" val="20004"/>
                     </a:ext>
                   </a:extLst>
                 </a:gridCol>
                 <a:gridCol w="1086897">
                   <a:extLst>
                     <a:ext uri="{9D8B030D-6E8A-4147-A177-3AD203B41FA5}">
-                      <a16:colId xmlns:a16="http://schemas.microsoft.com/office/drawing/2014/main" val="20005"/>
+                      <a16:colId xmlns:a16="http://schemas.microsoft.com/office/drawing/2014/main" xmlns="" val="20005"/>
                     </a:ext>
                   </a:extLst>
                 </a:gridCol>
                 <a:gridCol w="2061731">
                   <a:extLst>
                     <a:ext uri="{9D8B030D-6E8A-4147-A177-3AD203B41FA5}">
-                      <a16:colId xmlns:a16="http://schemas.microsoft.com/office/drawing/2014/main" val="20006"/>
+                      <a16:colId xmlns:a16="http://schemas.microsoft.com/office/drawing/2014/main" xmlns="" val="20006"/>
                     </a:ext>
                   </a:extLst>
                 </a:gridCol>
@@ -3739,7 +3726,7 @@
                 </a:tc>
                 <a:extLst>
                   <a:ext uri="{0D108BD9-81ED-4DB2-BD59-A6C34878D82A}">
-                    <a16:rowId xmlns:a16="http://schemas.microsoft.com/office/drawing/2014/main" val="10000"/>
+                    <a16:rowId xmlns:a16="http://schemas.microsoft.com/office/drawing/2014/main" xmlns="" val="10000"/>
                   </a:ext>
                 </a:extLst>
               </a:tr>
@@ -3896,7 +3883,7 @@
                 </a:tc>
                 <a:extLst>
                   <a:ext uri="{0D108BD9-81ED-4DB2-BD59-A6C34878D82A}">
-                    <a16:rowId xmlns:a16="http://schemas.microsoft.com/office/drawing/2014/main" val="10001"/>
+                    <a16:rowId xmlns:a16="http://schemas.microsoft.com/office/drawing/2014/main" xmlns="" val="10001"/>
                   </a:ext>
                 </a:extLst>
               </a:tr>
@@ -4037,7 +4024,7 @@
                 </a:tc>
                 <a:extLst>
                   <a:ext uri="{0D108BD9-81ED-4DB2-BD59-A6C34878D82A}">
-                    <a16:rowId xmlns:a16="http://schemas.microsoft.com/office/drawing/2014/main" val="10002"/>
+                    <a16:rowId xmlns:a16="http://schemas.microsoft.com/office/drawing/2014/main" xmlns="" val="10002"/>
                   </a:ext>
                 </a:extLst>
               </a:tr>
@@ -4138,7 +4125,7 @@
                 </a:tc>
                 <a:extLst>
                   <a:ext uri="{0D108BD9-81ED-4DB2-BD59-A6C34878D82A}">
-                    <a16:rowId xmlns:a16="http://schemas.microsoft.com/office/drawing/2014/main" val="10003"/>
+                    <a16:rowId xmlns:a16="http://schemas.microsoft.com/office/drawing/2014/main" xmlns="" val="10003"/>
                   </a:ext>
                 </a:extLst>
               </a:tr>
@@ -4267,7 +4254,7 @@
                 </a:tc>
                 <a:extLst>
                   <a:ext uri="{0D108BD9-81ED-4DB2-BD59-A6C34878D82A}">
-                    <a16:rowId xmlns:a16="http://schemas.microsoft.com/office/drawing/2014/main" val="10004"/>
+                    <a16:rowId xmlns:a16="http://schemas.microsoft.com/office/drawing/2014/main" xmlns="" val="10004"/>
                   </a:ext>
                 </a:extLst>
               </a:tr>
@@ -4424,7 +4411,7 @@
                 </a:tc>
                 <a:extLst>
                   <a:ext uri="{0D108BD9-81ED-4DB2-BD59-A6C34878D82A}">
-                    <a16:rowId xmlns:a16="http://schemas.microsoft.com/office/drawing/2014/main" val="10005"/>
+                    <a16:rowId xmlns:a16="http://schemas.microsoft.com/office/drawing/2014/main" xmlns="" val="10005"/>
                   </a:ext>
                 </a:extLst>
               </a:tr>
@@ -4565,7 +4552,7 @@
                 </a:tc>
                 <a:extLst>
                   <a:ext uri="{0D108BD9-81ED-4DB2-BD59-A6C34878D82A}">
-                    <a16:rowId xmlns:a16="http://schemas.microsoft.com/office/drawing/2014/main" val="10006"/>
+                    <a16:rowId xmlns:a16="http://schemas.microsoft.com/office/drawing/2014/main" xmlns="" val="10006"/>
                   </a:ext>
                 </a:extLst>
               </a:tr>
@@ -4695,49 +4682,49 @@
                 <a:gridCol w="398932">
                   <a:extLst>
                     <a:ext uri="{9D8B030D-6E8A-4147-A177-3AD203B41FA5}">
-                      <a16:colId xmlns:a16="http://schemas.microsoft.com/office/drawing/2014/main" val="20000"/>
+                      <a16:colId xmlns:a16="http://schemas.microsoft.com/office/drawing/2014/main" xmlns="" val="20000"/>
                     </a:ext>
                   </a:extLst>
                 </a:gridCol>
                 <a:gridCol w="1187645">
                   <a:extLst>
                     <a:ext uri="{9D8B030D-6E8A-4147-A177-3AD203B41FA5}">
-                      <a16:colId xmlns:a16="http://schemas.microsoft.com/office/drawing/2014/main" val="20001"/>
+                      <a16:colId xmlns:a16="http://schemas.microsoft.com/office/drawing/2014/main" xmlns="" val="20001"/>
                     </a:ext>
                   </a:extLst>
                 </a:gridCol>
                 <a:gridCol w="1506248">
                   <a:extLst>
                     <a:ext uri="{9D8B030D-6E8A-4147-A177-3AD203B41FA5}">
-                      <a16:colId xmlns:a16="http://schemas.microsoft.com/office/drawing/2014/main" val="20002"/>
+                      <a16:colId xmlns:a16="http://schemas.microsoft.com/office/drawing/2014/main" xmlns="" val="20002"/>
                     </a:ext>
                   </a:extLst>
                 </a:gridCol>
                 <a:gridCol w="506507">
                   <a:extLst>
                     <a:ext uri="{9D8B030D-6E8A-4147-A177-3AD203B41FA5}">
-                      <a16:colId xmlns:a16="http://schemas.microsoft.com/office/drawing/2014/main" val="20003"/>
+                      <a16:colId xmlns:a16="http://schemas.microsoft.com/office/drawing/2014/main" xmlns="" val="20003"/>
                     </a:ext>
                   </a:extLst>
                 </a:gridCol>
                 <a:gridCol w="468630">
                   <a:extLst>
                     <a:ext uri="{9D8B030D-6E8A-4147-A177-3AD203B41FA5}">
-                      <a16:colId xmlns:a16="http://schemas.microsoft.com/office/drawing/2014/main" val="20004"/>
+                      <a16:colId xmlns:a16="http://schemas.microsoft.com/office/drawing/2014/main" xmlns="" val="20004"/>
                     </a:ext>
                   </a:extLst>
                 </a:gridCol>
                 <a:gridCol w="1086897">
                   <a:extLst>
                     <a:ext uri="{9D8B030D-6E8A-4147-A177-3AD203B41FA5}">
-                      <a16:colId xmlns:a16="http://schemas.microsoft.com/office/drawing/2014/main" val="20005"/>
+                      <a16:colId xmlns:a16="http://schemas.microsoft.com/office/drawing/2014/main" xmlns="" val="20005"/>
                     </a:ext>
                   </a:extLst>
                 </a:gridCol>
                 <a:gridCol w="2061731">
                   <a:extLst>
                     <a:ext uri="{9D8B030D-6E8A-4147-A177-3AD203B41FA5}">
-                      <a16:colId xmlns:a16="http://schemas.microsoft.com/office/drawing/2014/main" val="20006"/>
+                      <a16:colId xmlns:a16="http://schemas.microsoft.com/office/drawing/2014/main" xmlns="" val="20006"/>
                     </a:ext>
                   </a:extLst>
                 </a:gridCol>
@@ -4867,7 +4854,7 @@
                 </a:tc>
                 <a:extLst>
                   <a:ext uri="{0D108BD9-81ED-4DB2-BD59-A6C34878D82A}">
-                    <a16:rowId xmlns:a16="http://schemas.microsoft.com/office/drawing/2014/main" val="10000"/>
+                    <a16:rowId xmlns:a16="http://schemas.microsoft.com/office/drawing/2014/main" xmlns="" val="10000"/>
                   </a:ext>
                 </a:extLst>
               </a:tr>
@@ -5024,7 +5011,7 @@
                 </a:tc>
                 <a:extLst>
                   <a:ext uri="{0D108BD9-81ED-4DB2-BD59-A6C34878D82A}">
-                    <a16:rowId xmlns:a16="http://schemas.microsoft.com/office/drawing/2014/main" val="10001"/>
+                    <a16:rowId xmlns:a16="http://schemas.microsoft.com/office/drawing/2014/main" xmlns="" val="10001"/>
                   </a:ext>
                 </a:extLst>
               </a:tr>
@@ -5197,7 +5184,7 @@
                 </a:tc>
                 <a:extLst>
                   <a:ext uri="{0D108BD9-81ED-4DB2-BD59-A6C34878D82A}">
-                    <a16:rowId xmlns:a16="http://schemas.microsoft.com/office/drawing/2014/main" val="10002"/>
+                    <a16:rowId xmlns:a16="http://schemas.microsoft.com/office/drawing/2014/main" xmlns="" val="10002"/>
                   </a:ext>
                 </a:extLst>
               </a:tr>
@@ -5298,7 +5285,7 @@
                 </a:tc>
                 <a:extLst>
                   <a:ext uri="{0D108BD9-81ED-4DB2-BD59-A6C34878D82A}">
-                    <a16:rowId xmlns:a16="http://schemas.microsoft.com/office/drawing/2014/main" val="10003"/>
+                    <a16:rowId xmlns:a16="http://schemas.microsoft.com/office/drawing/2014/main" xmlns="" val="10003"/>
                   </a:ext>
                 </a:extLst>
               </a:tr>
@@ -5427,7 +5414,7 @@
                 </a:tc>
                 <a:extLst>
                   <a:ext uri="{0D108BD9-81ED-4DB2-BD59-A6C34878D82A}">
-                    <a16:rowId xmlns:a16="http://schemas.microsoft.com/office/drawing/2014/main" val="10004"/>
+                    <a16:rowId xmlns:a16="http://schemas.microsoft.com/office/drawing/2014/main" xmlns="" val="10004"/>
                   </a:ext>
                 </a:extLst>
               </a:tr>
@@ -5584,7 +5571,7 @@
                 </a:tc>
                 <a:extLst>
                   <a:ext uri="{0D108BD9-81ED-4DB2-BD59-A6C34878D82A}">
-                    <a16:rowId xmlns:a16="http://schemas.microsoft.com/office/drawing/2014/main" val="10005"/>
+                    <a16:rowId xmlns:a16="http://schemas.microsoft.com/office/drawing/2014/main" xmlns="" val="10005"/>
                   </a:ext>
                 </a:extLst>
               </a:tr>
@@ -5757,7 +5744,7 @@
                 </a:tc>
                 <a:extLst>
                   <a:ext uri="{0D108BD9-81ED-4DB2-BD59-A6C34878D82A}">
-                    <a16:rowId xmlns:a16="http://schemas.microsoft.com/office/drawing/2014/main" val="10006"/>
+                    <a16:rowId xmlns:a16="http://schemas.microsoft.com/office/drawing/2014/main" xmlns="" val="10006"/>
                   </a:ext>
                 </a:extLst>
               </a:tr>
@@ -7673,7 +7660,7 @@
             </a:r>
             <a:r>
               <a:rPr lang="en-CA" dirty="0" smtClean="0"/>
-              <a:t>  (On or Off)</a:t>
+              <a:t>  (Off or On)</a:t>
             </a:r>
           </a:p>
           <a:p>
@@ -8714,28 +8701,28 @@
                 <a:gridCol w="443239">
                   <a:extLst>
                     <a:ext uri="{9D8B030D-6E8A-4147-A177-3AD203B41FA5}">
-                      <a16:colId xmlns:a16="http://schemas.microsoft.com/office/drawing/2014/main" val="20000"/>
+                      <a16:colId xmlns:a16="http://schemas.microsoft.com/office/drawing/2014/main" xmlns="" val="20000"/>
                     </a:ext>
                   </a:extLst>
                 </a:gridCol>
                 <a:gridCol w="775985">
                   <a:extLst>
                     <a:ext uri="{9D8B030D-6E8A-4147-A177-3AD203B41FA5}">
-                      <a16:colId xmlns:a16="http://schemas.microsoft.com/office/drawing/2014/main" val="20001"/>
+                      <a16:colId xmlns:a16="http://schemas.microsoft.com/office/drawing/2014/main" xmlns="" val="20001"/>
                     </a:ext>
                   </a:extLst>
                 </a:gridCol>
                 <a:gridCol w="775985">
                   <a:extLst>
                     <a:ext uri="{9D8B030D-6E8A-4147-A177-3AD203B41FA5}">
-                      <a16:colId xmlns:a16="http://schemas.microsoft.com/office/drawing/2014/main" val="20002"/>
+                      <a16:colId xmlns:a16="http://schemas.microsoft.com/office/drawing/2014/main" xmlns="" val="20002"/>
                     </a:ext>
                   </a:extLst>
                 </a:gridCol>
                 <a:gridCol w="775985">
                   <a:extLst>
                     <a:ext uri="{9D8B030D-6E8A-4147-A177-3AD203B41FA5}">
-                      <a16:colId xmlns:a16="http://schemas.microsoft.com/office/drawing/2014/main" val="20003"/>
+                      <a16:colId xmlns:a16="http://schemas.microsoft.com/office/drawing/2014/main" xmlns="" val="20003"/>
                     </a:ext>
                   </a:extLst>
                 </a:gridCol>
@@ -8823,7 +8810,7 @@
                 </a:tc>
                 <a:extLst>
                   <a:ext uri="{0D108BD9-81ED-4DB2-BD59-A6C34878D82A}">
-                    <a16:rowId xmlns:a16="http://schemas.microsoft.com/office/drawing/2014/main" val="10000"/>
+                    <a16:rowId xmlns:a16="http://schemas.microsoft.com/office/drawing/2014/main" xmlns="" val="10000"/>
                   </a:ext>
                 </a:extLst>
               </a:tr>
@@ -8930,7 +8917,7 @@
                 </a:tc>
                 <a:extLst>
                   <a:ext uri="{0D108BD9-81ED-4DB2-BD59-A6C34878D82A}">
-                    <a16:rowId xmlns:a16="http://schemas.microsoft.com/office/drawing/2014/main" val="10001"/>
+                    <a16:rowId xmlns:a16="http://schemas.microsoft.com/office/drawing/2014/main" xmlns="" val="10001"/>
                   </a:ext>
                 </a:extLst>
               </a:tr>
@@ -9067,7 +9054,7 @@
                 </a:tc>
                 <a:extLst>
                   <a:ext uri="{0D108BD9-81ED-4DB2-BD59-A6C34878D82A}">
-                    <a16:rowId xmlns:a16="http://schemas.microsoft.com/office/drawing/2014/main" val="10002"/>
+                    <a16:rowId xmlns:a16="http://schemas.microsoft.com/office/drawing/2014/main" xmlns="" val="10002"/>
                   </a:ext>
                 </a:extLst>
               </a:tr>
@@ -9168,7 +9155,7 @@
                 </a:tc>
                 <a:extLst>
                   <a:ext uri="{0D108BD9-81ED-4DB2-BD59-A6C34878D82A}">
-                    <a16:rowId xmlns:a16="http://schemas.microsoft.com/office/drawing/2014/main" val="10003"/>
+                    <a16:rowId xmlns:a16="http://schemas.microsoft.com/office/drawing/2014/main" xmlns="" val="10003"/>
                   </a:ext>
                 </a:extLst>
               </a:tr>
@@ -9321,28 +9308,28 @@
                 <a:gridCol w="419361">
                   <a:extLst>
                     <a:ext uri="{9D8B030D-6E8A-4147-A177-3AD203B41FA5}">
-                      <a16:colId xmlns:a16="http://schemas.microsoft.com/office/drawing/2014/main" val="20000"/>
+                      <a16:colId xmlns:a16="http://schemas.microsoft.com/office/drawing/2014/main" xmlns="" val="20000"/>
                     </a:ext>
                   </a:extLst>
                 </a:gridCol>
                 <a:gridCol w="734181">
                   <a:extLst>
                     <a:ext uri="{9D8B030D-6E8A-4147-A177-3AD203B41FA5}">
-                      <a16:colId xmlns:a16="http://schemas.microsoft.com/office/drawing/2014/main" val="20001"/>
+                      <a16:colId xmlns:a16="http://schemas.microsoft.com/office/drawing/2014/main" xmlns="" val="20001"/>
                     </a:ext>
                   </a:extLst>
                 </a:gridCol>
                 <a:gridCol w="734181">
                   <a:extLst>
                     <a:ext uri="{9D8B030D-6E8A-4147-A177-3AD203B41FA5}">
-                      <a16:colId xmlns:a16="http://schemas.microsoft.com/office/drawing/2014/main" val="20002"/>
+                      <a16:colId xmlns:a16="http://schemas.microsoft.com/office/drawing/2014/main" xmlns="" val="20002"/>
                     </a:ext>
                   </a:extLst>
                 </a:gridCol>
                 <a:gridCol w="734181">
                   <a:extLst>
                     <a:ext uri="{9D8B030D-6E8A-4147-A177-3AD203B41FA5}">
-                      <a16:colId xmlns:a16="http://schemas.microsoft.com/office/drawing/2014/main" val="20003"/>
+                      <a16:colId xmlns:a16="http://schemas.microsoft.com/office/drawing/2014/main" xmlns="" val="20003"/>
                     </a:ext>
                   </a:extLst>
                 </a:gridCol>
@@ -9430,7 +9417,7 @@
                 </a:tc>
                 <a:extLst>
                   <a:ext uri="{0D108BD9-81ED-4DB2-BD59-A6C34878D82A}">
-                    <a16:rowId xmlns:a16="http://schemas.microsoft.com/office/drawing/2014/main" val="10000"/>
+                    <a16:rowId xmlns:a16="http://schemas.microsoft.com/office/drawing/2014/main" xmlns="" val="10000"/>
                   </a:ext>
                 </a:extLst>
               </a:tr>
@@ -9537,7 +9524,7 @@
                 </a:tc>
                 <a:extLst>
                   <a:ext uri="{0D108BD9-81ED-4DB2-BD59-A6C34878D82A}">
-                    <a16:rowId xmlns:a16="http://schemas.microsoft.com/office/drawing/2014/main" val="10001"/>
+                    <a16:rowId xmlns:a16="http://schemas.microsoft.com/office/drawing/2014/main" xmlns="" val="10001"/>
                   </a:ext>
                 </a:extLst>
               </a:tr>
@@ -9674,7 +9661,7 @@
                 </a:tc>
                 <a:extLst>
                   <a:ext uri="{0D108BD9-81ED-4DB2-BD59-A6C34878D82A}">
-                    <a16:rowId xmlns:a16="http://schemas.microsoft.com/office/drawing/2014/main" val="10002"/>
+                    <a16:rowId xmlns:a16="http://schemas.microsoft.com/office/drawing/2014/main" xmlns="" val="10002"/>
                   </a:ext>
                 </a:extLst>
               </a:tr>
@@ -9775,7 +9762,7 @@
                 </a:tc>
                 <a:extLst>
                   <a:ext uri="{0D108BD9-81ED-4DB2-BD59-A6C34878D82A}">
-                    <a16:rowId xmlns:a16="http://schemas.microsoft.com/office/drawing/2014/main" val="10003"/>
+                    <a16:rowId xmlns:a16="http://schemas.microsoft.com/office/drawing/2014/main" xmlns="" val="10003"/>
                   </a:ext>
                 </a:extLst>
               </a:tr>
@@ -9806,8 +9793,8 @@
         </p:blipFill>
         <p:spPr bwMode="auto">
           <a:xfrm>
-            <a:off x="447869" y="1841111"/>
-            <a:ext cx="3974842" cy="3620277"/>
+            <a:off x="447869" y="1841112"/>
+            <a:ext cx="3495042" cy="3183276"/>
           </a:xfrm>
           <a:prstGeom prst="rect">
             <a:avLst/>
@@ -9824,6 +9811,224 @@
           </a:extLst>
         </p:spPr>
       </p:pic>
+      <p:graphicFrame>
+        <p:nvGraphicFramePr>
+          <p:cNvPr id="5" name="Table 4"/>
+          <p:cNvGraphicFramePr>
+            <a:graphicFrameLocks noGrp="1"/>
+          </p:cNvGraphicFramePr>
+          <p:nvPr>
+            <p:extLst>
+              <p:ext uri="{D42A27DB-BD31-4B8C-83A1-F6EECF244321}">
+                <p14:modId xmlns:p14="http://schemas.microsoft.com/office/powerpoint/2010/main" val="2821052793"/>
+              </p:ext>
+            </p:extLst>
+          </p:nvPr>
+        </p:nvGraphicFramePr>
+        <p:xfrm>
+          <a:off x="3942911" y="1896177"/>
+          <a:ext cx="765110" cy="3097712"/>
+        </p:xfrm>
+        <a:graphic>
+          <a:graphicData uri="http://schemas.openxmlformats.org/drawingml/2006/table">
+            <a:tbl>
+              <a:tblPr firstRow="1" bandRow="1">
+                <a:tableStyleId>{5940675A-B579-460E-94D1-54222C63F5DA}</a:tableStyleId>
+              </a:tblPr>
+              <a:tblGrid>
+                <a:gridCol w="765110">
+                  <a:extLst>
+                    <a:ext uri="{9D8B030D-6E8A-4147-A177-3AD203B41FA5}">
+                      <a16:colId xmlns:a16="http://schemas.microsoft.com/office/drawing/2014/main" xmlns="" val="441507416"/>
+                    </a:ext>
+                  </a:extLst>
+                </a:gridCol>
+              </a:tblGrid>
+              <a:tr h="345304">
+                <a:tc>
+                  <a:txBody>
+                    <a:bodyPr/>
+                    <a:lstStyle/>
+                    <a:p>
+                      <a:r>
+                        <a:rPr lang="en-CA" sz="1600" b="1" dirty="0" smtClean="0"/>
+                        <a:t>Binary</a:t>
+                      </a:r>
+                      <a:endParaRPr lang="en-US" sz="1600" b="1" dirty="0"/>
+                    </a:p>
+                  </a:txBody>
+                  <a:tcPr/>
+                </a:tc>
+                <a:extLst>
+                  <a:ext uri="{0D108BD9-81ED-4DB2-BD59-A6C34878D82A}">
+                    <a16:rowId xmlns:a16="http://schemas.microsoft.com/office/drawing/2014/main" xmlns="" val="2737387062"/>
+                  </a:ext>
+                </a:extLst>
+              </a:tr>
+              <a:tr h="345304">
+                <a:tc>
+                  <a:txBody>
+                    <a:bodyPr/>
+                    <a:lstStyle/>
+                    <a:p>
+                      <a:pPr algn="r"/>
+                      <a:r>
+                        <a:rPr lang="en-CA" sz="1600" dirty="0" smtClean="0"/>
+                        <a:t>1</a:t>
+                      </a:r>
+                      <a:endParaRPr lang="en-US" sz="1600" dirty="0"/>
+                    </a:p>
+                  </a:txBody>
+                  <a:tcPr/>
+                </a:tc>
+                <a:extLst>
+                  <a:ext uri="{0D108BD9-81ED-4DB2-BD59-A6C34878D82A}">
+                    <a16:rowId xmlns:a16="http://schemas.microsoft.com/office/drawing/2014/main" xmlns="" val="2230600089"/>
+                  </a:ext>
+                </a:extLst>
+              </a:tr>
+              <a:tr h="345304">
+                <a:tc>
+                  <a:txBody>
+                    <a:bodyPr/>
+                    <a:lstStyle/>
+                    <a:p>
+                      <a:pPr algn="r"/>
+                      <a:r>
+                        <a:rPr lang="en-CA" sz="1600" dirty="0" smtClean="0"/>
+                        <a:t>10</a:t>
+                      </a:r>
+                      <a:endParaRPr lang="en-US" sz="1600" dirty="0"/>
+                    </a:p>
+                  </a:txBody>
+                  <a:tcPr/>
+                </a:tc>
+                <a:extLst>
+                  <a:ext uri="{0D108BD9-81ED-4DB2-BD59-A6C34878D82A}">
+                    <a16:rowId xmlns:a16="http://schemas.microsoft.com/office/drawing/2014/main" xmlns="" val="936672034"/>
+                  </a:ext>
+                </a:extLst>
+              </a:tr>
+              <a:tr h="345304">
+                <a:tc>
+                  <a:txBody>
+                    <a:bodyPr/>
+                    <a:lstStyle/>
+                    <a:p>
+                      <a:pPr algn="r"/>
+                      <a:r>
+                        <a:rPr lang="en-CA" sz="1600" dirty="0" smtClean="0"/>
+                        <a:t>100</a:t>
+                      </a:r>
+                      <a:endParaRPr lang="en-US" sz="1600" dirty="0"/>
+                    </a:p>
+                  </a:txBody>
+                  <a:tcPr/>
+                </a:tc>
+                <a:extLst>
+                  <a:ext uri="{0D108BD9-81ED-4DB2-BD59-A6C34878D82A}">
+                    <a16:rowId xmlns:a16="http://schemas.microsoft.com/office/drawing/2014/main" xmlns="" val="1855495904"/>
+                  </a:ext>
+                </a:extLst>
+              </a:tr>
+              <a:tr h="345304">
+                <a:tc>
+                  <a:txBody>
+                    <a:bodyPr/>
+                    <a:lstStyle/>
+                    <a:p>
+                      <a:pPr algn="r"/>
+                      <a:r>
+                        <a:rPr lang="en-CA" sz="1600" dirty="0" smtClean="0"/>
+                        <a:t>1000</a:t>
+                      </a:r>
+                      <a:endParaRPr lang="en-US" sz="1600" dirty="0"/>
+                    </a:p>
+                  </a:txBody>
+                  <a:tcPr/>
+                </a:tc>
+                <a:extLst>
+                  <a:ext uri="{0D108BD9-81ED-4DB2-BD59-A6C34878D82A}">
+                    <a16:rowId xmlns:a16="http://schemas.microsoft.com/office/drawing/2014/main" xmlns="" val="1966250675"/>
+                  </a:ext>
+                </a:extLst>
+              </a:tr>
+              <a:tr h="345304">
+                <a:tc>
+                  <a:txBody>
+                    <a:bodyPr/>
+                    <a:lstStyle/>
+                    <a:p>
+                      <a:pPr algn="r"/>
+                      <a:endParaRPr lang="en-US" sz="1600" dirty="0"/>
+                    </a:p>
+                  </a:txBody>
+                  <a:tcPr/>
+                </a:tc>
+                <a:extLst>
+                  <a:ext uri="{0D108BD9-81ED-4DB2-BD59-A6C34878D82A}">
+                    <a16:rowId xmlns:a16="http://schemas.microsoft.com/office/drawing/2014/main" xmlns="" val="1195057386"/>
+                  </a:ext>
+                </a:extLst>
+              </a:tr>
+              <a:tr h="345304">
+                <a:tc>
+                  <a:txBody>
+                    <a:bodyPr/>
+                    <a:lstStyle/>
+                    <a:p>
+                      <a:pPr algn="r"/>
+                      <a:endParaRPr lang="en-US" sz="1600" dirty="0"/>
+                    </a:p>
+                  </a:txBody>
+                  <a:tcPr/>
+                </a:tc>
+                <a:extLst>
+                  <a:ext uri="{0D108BD9-81ED-4DB2-BD59-A6C34878D82A}">
+                    <a16:rowId xmlns:a16="http://schemas.microsoft.com/office/drawing/2014/main" xmlns="" val="3615958022"/>
+                  </a:ext>
+                </a:extLst>
+              </a:tr>
+              <a:tr h="345304">
+                <a:tc>
+                  <a:txBody>
+                    <a:bodyPr/>
+                    <a:lstStyle/>
+                    <a:p>
+                      <a:pPr algn="r"/>
+                      <a:endParaRPr lang="en-US" sz="1600" dirty="0"/>
+                    </a:p>
+                  </a:txBody>
+                  <a:tcPr/>
+                </a:tc>
+                <a:extLst>
+                  <a:ext uri="{0D108BD9-81ED-4DB2-BD59-A6C34878D82A}">
+                    <a16:rowId xmlns:a16="http://schemas.microsoft.com/office/drawing/2014/main" xmlns="" val="243422852"/>
+                  </a:ext>
+                </a:extLst>
+              </a:tr>
+              <a:tr h="317652">
+                <a:tc>
+                  <a:txBody>
+                    <a:bodyPr/>
+                    <a:lstStyle/>
+                    <a:p>
+                      <a:pPr algn="r"/>
+                      <a:endParaRPr lang="en-US" sz="1600" dirty="0"/>
+                    </a:p>
+                  </a:txBody>
+                  <a:tcPr/>
+                </a:tc>
+                <a:extLst>
+                  <a:ext uri="{0D108BD9-81ED-4DB2-BD59-A6C34878D82A}">
+                    <a16:rowId xmlns:a16="http://schemas.microsoft.com/office/drawing/2014/main" xmlns="" val="4133932574"/>
+                  </a:ext>
+                </a:extLst>
+              </a:tr>
+            </a:tbl>
+          </a:graphicData>
+        </a:graphic>
+      </p:graphicFrame>
     </p:spTree>
     <p:extLst>
       <p:ext uri="{BB962C8B-B14F-4D97-AF65-F5344CB8AC3E}">
@@ -9870,7 +10075,7 @@
           <p:nvPr>
             <p:extLst>
               <p:ext uri="{D42A27DB-BD31-4B8C-83A1-F6EECF244321}">
-                <p14:modId xmlns:p14="http://schemas.microsoft.com/office/powerpoint/2010/main" val="3925616089"/>
+                <p14:modId xmlns:p14="http://schemas.microsoft.com/office/powerpoint/2010/main" val="1654361941"/>
               </p:ext>
             </p:extLst>
           </p:nvPr>
@@ -9889,35 +10094,35 @@
                 <a:gridCol w="877722">
                   <a:extLst>
                     <a:ext uri="{9D8B030D-6E8A-4147-A177-3AD203B41FA5}">
-                      <a16:colId xmlns:a16="http://schemas.microsoft.com/office/drawing/2014/main" val="4284345399"/>
+                      <a16:colId xmlns:a16="http://schemas.microsoft.com/office/drawing/2014/main" xmlns="" val="4284345399"/>
                     </a:ext>
                   </a:extLst>
                 </a:gridCol>
                 <a:gridCol w="1322707">
                   <a:extLst>
                     <a:ext uri="{9D8B030D-6E8A-4147-A177-3AD203B41FA5}">
-                      <a16:colId xmlns:a16="http://schemas.microsoft.com/office/drawing/2014/main" val="1778098971"/>
+                      <a16:colId xmlns:a16="http://schemas.microsoft.com/office/drawing/2014/main" xmlns="" val="1778098971"/>
                     </a:ext>
                   </a:extLst>
                 </a:gridCol>
                 <a:gridCol w="1469674">
                   <a:extLst>
                     <a:ext uri="{9D8B030D-6E8A-4147-A177-3AD203B41FA5}">
-                      <a16:colId xmlns:a16="http://schemas.microsoft.com/office/drawing/2014/main" val="3133757947"/>
+                      <a16:colId xmlns:a16="http://schemas.microsoft.com/office/drawing/2014/main" xmlns="" val="3133757947"/>
                     </a:ext>
                   </a:extLst>
                 </a:gridCol>
                 <a:gridCol w="1249223">
                   <a:extLst>
                     <a:ext uri="{9D8B030D-6E8A-4147-A177-3AD203B41FA5}">
-                      <a16:colId xmlns:a16="http://schemas.microsoft.com/office/drawing/2014/main" val="427370784"/>
+                      <a16:colId xmlns:a16="http://schemas.microsoft.com/office/drawing/2014/main" xmlns="" val="427370784"/>
                     </a:ext>
                   </a:extLst>
                 </a:gridCol>
                 <a:gridCol w="2714815">
                   <a:extLst>
                     <a:ext uri="{9D8B030D-6E8A-4147-A177-3AD203B41FA5}">
-                      <a16:colId xmlns:a16="http://schemas.microsoft.com/office/drawing/2014/main" val="2784757792"/>
+                      <a16:colId xmlns:a16="http://schemas.microsoft.com/office/drawing/2014/main" xmlns="" val="2784757792"/>
                     </a:ext>
                   </a:extLst>
                 </a:gridCol>
@@ -10181,7 +10386,7 @@
                 </a:tc>
                 <a:extLst>
                   <a:ext uri="{0D108BD9-81ED-4DB2-BD59-A6C34878D82A}">
-                    <a16:rowId xmlns:a16="http://schemas.microsoft.com/office/drawing/2014/main" val="3748903474"/>
+                    <a16:rowId xmlns:a16="http://schemas.microsoft.com/office/drawing/2014/main" xmlns="" val="3748903474"/>
                   </a:ext>
                 </a:extLst>
               </a:tr>
@@ -10350,7 +10555,7 @@
                 </a:tc>
                 <a:extLst>
                   <a:ext uri="{0D108BD9-81ED-4DB2-BD59-A6C34878D82A}">
-                    <a16:rowId xmlns:a16="http://schemas.microsoft.com/office/drawing/2014/main" val="1338296930"/>
+                    <a16:rowId xmlns:a16="http://schemas.microsoft.com/office/drawing/2014/main" xmlns="" val="1338296930"/>
                   </a:ext>
                 </a:extLst>
               </a:tr>
@@ -10519,7 +10724,7 @@
                 </a:tc>
                 <a:extLst>
                   <a:ext uri="{0D108BD9-81ED-4DB2-BD59-A6C34878D82A}">
-                    <a16:rowId xmlns:a16="http://schemas.microsoft.com/office/drawing/2014/main" val="3871450458"/>
+                    <a16:rowId xmlns:a16="http://schemas.microsoft.com/office/drawing/2014/main" xmlns="" val="3871450458"/>
                   </a:ext>
                 </a:extLst>
               </a:tr>
@@ -10688,7 +10893,7 @@
                 </a:tc>
                 <a:extLst>
                   <a:ext uri="{0D108BD9-81ED-4DB2-BD59-A6C34878D82A}">
-                    <a16:rowId xmlns:a16="http://schemas.microsoft.com/office/drawing/2014/main" val="1879883355"/>
+                    <a16:rowId xmlns:a16="http://schemas.microsoft.com/office/drawing/2014/main" xmlns="" val="1879883355"/>
                   </a:ext>
                 </a:extLst>
               </a:tr>
@@ -10857,7 +11062,7 @@
                 </a:tc>
                 <a:extLst>
                   <a:ext uri="{0D108BD9-81ED-4DB2-BD59-A6C34878D82A}">
-                    <a16:rowId xmlns:a16="http://schemas.microsoft.com/office/drawing/2014/main" val="2074548267"/>
+                    <a16:rowId xmlns:a16="http://schemas.microsoft.com/office/drawing/2014/main" xmlns="" val="2074548267"/>
                   </a:ext>
                 </a:extLst>
               </a:tr>
@@ -11026,7 +11231,7 @@
                 </a:tc>
                 <a:extLst>
                   <a:ext uri="{0D108BD9-81ED-4DB2-BD59-A6C34878D82A}">
-                    <a16:rowId xmlns:a16="http://schemas.microsoft.com/office/drawing/2014/main" val="1860212916"/>
+                    <a16:rowId xmlns:a16="http://schemas.microsoft.com/office/drawing/2014/main" xmlns="" val="1860212916"/>
                   </a:ext>
                 </a:extLst>
               </a:tr>
@@ -11195,7 +11400,7 @@
                 </a:tc>
                 <a:extLst>
                   <a:ext uri="{0D108BD9-81ED-4DB2-BD59-A6C34878D82A}">
-                    <a16:rowId xmlns:a16="http://schemas.microsoft.com/office/drawing/2014/main" val="2778876256"/>
+                    <a16:rowId xmlns:a16="http://schemas.microsoft.com/office/drawing/2014/main" xmlns="" val="2778876256"/>
                   </a:ext>
                 </a:extLst>
               </a:tr>
@@ -11364,7 +11569,7 @@
                 </a:tc>
                 <a:extLst>
                   <a:ext uri="{0D108BD9-81ED-4DB2-BD59-A6C34878D82A}">
-                    <a16:rowId xmlns:a16="http://schemas.microsoft.com/office/drawing/2014/main" val="1426937256"/>
+                    <a16:rowId xmlns:a16="http://schemas.microsoft.com/office/drawing/2014/main" xmlns="" val="1426937256"/>
                   </a:ext>
                 </a:extLst>
               </a:tr>
@@ -11533,7 +11738,7 @@
                 </a:tc>
                 <a:extLst>
                   <a:ext uri="{0D108BD9-81ED-4DB2-BD59-A6C34878D82A}">
-                    <a16:rowId xmlns:a16="http://schemas.microsoft.com/office/drawing/2014/main" val="1907559609"/>
+                    <a16:rowId xmlns:a16="http://schemas.microsoft.com/office/drawing/2014/main" xmlns="" val="1907559609"/>
                   </a:ext>
                 </a:extLst>
               </a:tr>
@@ -11702,7 +11907,7 @@
                 </a:tc>
                 <a:extLst>
                   <a:ext uri="{0D108BD9-81ED-4DB2-BD59-A6C34878D82A}">
-                    <a16:rowId xmlns:a16="http://schemas.microsoft.com/office/drawing/2014/main" val="3489753535"/>
+                    <a16:rowId xmlns:a16="http://schemas.microsoft.com/office/drawing/2014/main" xmlns="" val="3489753535"/>
                   </a:ext>
                 </a:extLst>
               </a:tr>
@@ -11871,7 +12076,7 @@
                 </a:tc>
                 <a:extLst>
                   <a:ext uri="{0D108BD9-81ED-4DB2-BD59-A6C34878D82A}">
-                    <a16:rowId xmlns:a16="http://schemas.microsoft.com/office/drawing/2014/main" val="3795205318"/>
+                    <a16:rowId xmlns:a16="http://schemas.microsoft.com/office/drawing/2014/main" xmlns="" val="3795205318"/>
                   </a:ext>
                 </a:extLst>
               </a:tr>
@@ -12040,7 +12245,7 @@
                 </a:tc>
                 <a:extLst>
                   <a:ext uri="{0D108BD9-81ED-4DB2-BD59-A6C34878D82A}">
-                    <a16:rowId xmlns:a16="http://schemas.microsoft.com/office/drawing/2014/main" val="2415240978"/>
+                    <a16:rowId xmlns:a16="http://schemas.microsoft.com/office/drawing/2014/main" xmlns="" val="2415240978"/>
                   </a:ext>
                 </a:extLst>
               </a:tr>
@@ -12209,7 +12414,7 @@
                 </a:tc>
                 <a:extLst>
                   <a:ext uri="{0D108BD9-81ED-4DB2-BD59-A6C34878D82A}">
-                    <a16:rowId xmlns:a16="http://schemas.microsoft.com/office/drawing/2014/main" val="2004148851"/>
+                    <a16:rowId xmlns:a16="http://schemas.microsoft.com/office/drawing/2014/main" xmlns="" val="2004148851"/>
                   </a:ext>
                 </a:extLst>
               </a:tr>
@@ -12378,7 +12583,7 @@
                 </a:tc>
                 <a:extLst>
                   <a:ext uri="{0D108BD9-81ED-4DB2-BD59-A6C34878D82A}">
-                    <a16:rowId xmlns:a16="http://schemas.microsoft.com/office/drawing/2014/main" val="2446963814"/>
+                    <a16:rowId xmlns:a16="http://schemas.microsoft.com/office/drawing/2014/main" xmlns="" val="2446963814"/>
                   </a:ext>
                 </a:extLst>
               </a:tr>
@@ -12547,7 +12752,7 @@
                 </a:tc>
                 <a:extLst>
                   <a:ext uri="{0D108BD9-81ED-4DB2-BD59-A6C34878D82A}">
-                    <a16:rowId xmlns:a16="http://schemas.microsoft.com/office/drawing/2014/main" val="1324787074"/>
+                    <a16:rowId xmlns:a16="http://schemas.microsoft.com/office/drawing/2014/main" xmlns="" val="1324787074"/>
                   </a:ext>
                 </a:extLst>
               </a:tr>
@@ -12716,7 +12921,7 @@
                 </a:tc>
                 <a:extLst>
                   <a:ext uri="{0D108BD9-81ED-4DB2-BD59-A6C34878D82A}">
-                    <a16:rowId xmlns:a16="http://schemas.microsoft.com/office/drawing/2014/main" val="1561633891"/>
+                    <a16:rowId xmlns:a16="http://schemas.microsoft.com/office/drawing/2014/main" xmlns="" val="1561633891"/>
                   </a:ext>
                 </a:extLst>
               </a:tr>
@@ -12785,10 +12990,72 @@
                         </a:spcAft>
                       </a:pPr>
                       <a:r>
+                        <a:rPr lang="en-US" sz="1100" dirty="0" smtClean="0">
+                          <a:effectLst/>
+                        </a:rPr>
+                        <a:t>65,536</a:t>
+                      </a:r>
+                      <a:endParaRPr lang="en-US" sz="1200" dirty="0">
+                        <a:effectLst/>
+                        <a:latin typeface="Arial" panose="020B0604020202020204" pitchFamily="34" charset="0"/>
+                        <a:ea typeface="Calibri" panose="020F0502020204030204" pitchFamily="34" charset="0"/>
+                      </a:endParaRPr>
+                    </a:p>
+                  </a:txBody>
+                  <a:tcPr marL="68580" marR="68580" marT="0" marB="0" anchor="ctr"/>
+                </a:tc>
+                <a:tc>
+                  <a:txBody>
+                    <a:bodyPr/>
+                    <a:lstStyle/>
+                    <a:p>
+                      <a:pPr marL="0" marR="0">
+                        <a:spcBef>
+                          <a:spcPts val="0"/>
+                        </a:spcBef>
+                        <a:spcAft>
+                          <a:spcPts val="0"/>
+                        </a:spcAft>
+                      </a:pPr>
+                      <a:r>
+                        <a:rPr lang="en-US" sz="1100" dirty="0">
+                          <a:effectLst/>
+                        </a:rPr>
+                        <a:t>0 – </a:t>
+                      </a:r>
+                      <a:r>
+                        <a:rPr lang="en-US" sz="1100" dirty="0" smtClean="0">
+                          <a:effectLst/>
+                        </a:rPr>
+                        <a:t>65,535</a:t>
+                      </a:r>
+                      <a:endParaRPr lang="en-US" sz="1200" dirty="0">
+                        <a:effectLst/>
+                        <a:latin typeface="Arial" panose="020B0604020202020204" pitchFamily="34" charset="0"/>
+                        <a:ea typeface="Calibri" panose="020F0502020204030204" pitchFamily="34" charset="0"/>
+                      </a:endParaRPr>
+                    </a:p>
+                  </a:txBody>
+                  <a:tcPr marL="68580" marR="68580" marT="0" marB="0" anchor="ctr"/>
+                </a:tc>
+                <a:tc>
+                  <a:txBody>
+                    <a:bodyPr/>
+                    <a:lstStyle/>
+                    <a:p>
+                      <a:pPr marL="0" marR="0">
+                        <a:spcBef>
+                          <a:spcPts val="0"/>
+                        </a:spcBef>
+                        <a:spcAft>
+                          <a:spcPts val="0"/>
+                        </a:spcAft>
+                      </a:pPr>
+                      <a:r>
                         <a:rPr lang="en-US" sz="1100">
                           <a:effectLst/>
                         </a:rPr>
-                        <a:t>65,535</a:t>
+                        <a:t>16</a:t>
                       </a:r>
                       <a:endParaRPr lang="en-US" sz="1200">
                         <a:effectLst/>
@@ -12813,62 +13080,6 @@
                         </a:spcAft>
                       </a:pPr>
                       <a:r>
-                        <a:rPr lang="en-US" sz="1100">
-                          <a:effectLst/>
-                        </a:rPr>
-                        <a:t>0 – 65,534</a:t>
-                      </a:r>
-                      <a:endParaRPr lang="en-US" sz="1200">
-                        <a:effectLst/>
-                        <a:latin typeface="Arial" panose="020B0604020202020204" pitchFamily="34" charset="0"/>
-                        <a:ea typeface="Calibri" panose="020F0502020204030204" pitchFamily="34" charset="0"/>
-                      </a:endParaRPr>
-                    </a:p>
-                  </a:txBody>
-                  <a:tcPr marL="68580" marR="68580" marT="0" marB="0" anchor="ctr"/>
-                </a:tc>
-                <a:tc>
-                  <a:txBody>
-                    <a:bodyPr/>
-                    <a:lstStyle/>
-                    <a:p>
-                      <a:pPr marL="0" marR="0">
-                        <a:spcBef>
-                          <a:spcPts val="0"/>
-                        </a:spcBef>
-                        <a:spcAft>
-                          <a:spcPts val="0"/>
-                        </a:spcAft>
-                      </a:pPr>
-                      <a:r>
-                        <a:rPr lang="en-US" sz="1100">
-                          <a:effectLst/>
-                        </a:rPr>
-                        <a:t>16</a:t>
-                      </a:r>
-                      <a:endParaRPr lang="en-US" sz="1200">
-                        <a:effectLst/>
-                        <a:latin typeface="Arial" panose="020B0604020202020204" pitchFamily="34" charset="0"/>
-                        <a:ea typeface="Calibri" panose="020F0502020204030204" pitchFamily="34" charset="0"/>
-                      </a:endParaRPr>
-                    </a:p>
-                  </a:txBody>
-                  <a:tcPr marL="68580" marR="68580" marT="0" marB="0" anchor="ctr"/>
-                </a:tc>
-                <a:tc>
-                  <a:txBody>
-                    <a:bodyPr/>
-                    <a:lstStyle/>
-                    <a:p>
-                      <a:pPr marL="0" marR="0">
-                        <a:spcBef>
-                          <a:spcPts val="0"/>
-                        </a:spcBef>
-                        <a:spcAft>
-                          <a:spcPts val="0"/>
-                        </a:spcAft>
-                      </a:pPr>
-                      <a:r>
                         <a:rPr lang="en-US" sz="1100" dirty="0">
                           <a:effectLst/>
                         </a:rPr>
@@ -12885,7 +13096,7 @@
                 </a:tc>
                 <a:extLst>
                   <a:ext uri="{0D108BD9-81ED-4DB2-BD59-A6C34878D82A}">
-                    <a16:rowId xmlns:a16="http://schemas.microsoft.com/office/drawing/2014/main" val="3401370237"/>
+                    <a16:rowId xmlns:a16="http://schemas.microsoft.com/office/drawing/2014/main" xmlns="" val="3401370237"/>
                   </a:ext>
                 </a:extLst>
               </a:tr>
@@ -13021,35 +13232,35 @@
                 <a:gridCol w="877722">
                   <a:extLst>
                     <a:ext uri="{9D8B030D-6E8A-4147-A177-3AD203B41FA5}">
-                      <a16:colId xmlns:a16="http://schemas.microsoft.com/office/drawing/2014/main" val="4284345399"/>
+                      <a16:colId xmlns:a16="http://schemas.microsoft.com/office/drawing/2014/main" xmlns="" val="4284345399"/>
                     </a:ext>
                   </a:extLst>
                 </a:gridCol>
                 <a:gridCol w="1322707">
                   <a:extLst>
                     <a:ext uri="{9D8B030D-6E8A-4147-A177-3AD203B41FA5}">
-                      <a16:colId xmlns:a16="http://schemas.microsoft.com/office/drawing/2014/main" val="1778098971"/>
+                      <a16:colId xmlns:a16="http://schemas.microsoft.com/office/drawing/2014/main" xmlns="" val="1778098971"/>
                     </a:ext>
                   </a:extLst>
                 </a:gridCol>
                 <a:gridCol w="1469674">
                   <a:extLst>
                     <a:ext uri="{9D8B030D-6E8A-4147-A177-3AD203B41FA5}">
-                      <a16:colId xmlns:a16="http://schemas.microsoft.com/office/drawing/2014/main" val="3133757947"/>
+                      <a16:colId xmlns:a16="http://schemas.microsoft.com/office/drawing/2014/main" xmlns="" val="3133757947"/>
                     </a:ext>
                   </a:extLst>
                 </a:gridCol>
                 <a:gridCol w="1249223">
                   <a:extLst>
                     <a:ext uri="{9D8B030D-6E8A-4147-A177-3AD203B41FA5}">
-                      <a16:colId xmlns:a16="http://schemas.microsoft.com/office/drawing/2014/main" val="427370784"/>
+                      <a16:colId xmlns:a16="http://schemas.microsoft.com/office/drawing/2014/main" xmlns="" val="427370784"/>
                     </a:ext>
                   </a:extLst>
                 </a:gridCol>
                 <a:gridCol w="2714815">
                   <a:extLst>
                     <a:ext uri="{9D8B030D-6E8A-4147-A177-3AD203B41FA5}">
-                      <a16:colId xmlns:a16="http://schemas.microsoft.com/office/drawing/2014/main" val="2784757792"/>
+                      <a16:colId xmlns:a16="http://schemas.microsoft.com/office/drawing/2014/main" xmlns="" val="2784757792"/>
                     </a:ext>
                   </a:extLst>
                 </a:gridCol>
@@ -13313,7 +13524,7 @@
                 </a:tc>
                 <a:extLst>
                   <a:ext uri="{0D108BD9-81ED-4DB2-BD59-A6C34878D82A}">
-                    <a16:rowId xmlns:a16="http://schemas.microsoft.com/office/drawing/2014/main" val="3748903474"/>
+                    <a16:rowId xmlns:a16="http://schemas.microsoft.com/office/drawing/2014/main" xmlns="" val="3748903474"/>
                   </a:ext>
                 </a:extLst>
               </a:tr>
@@ -13482,7 +13693,7 @@
                 </a:tc>
                 <a:extLst>
                   <a:ext uri="{0D108BD9-81ED-4DB2-BD59-A6C34878D82A}">
-                    <a16:rowId xmlns:a16="http://schemas.microsoft.com/office/drawing/2014/main" val="1338296930"/>
+                    <a16:rowId xmlns:a16="http://schemas.microsoft.com/office/drawing/2014/main" xmlns="" val="1338296930"/>
                   </a:ext>
                 </a:extLst>
               </a:tr>
@@ -13651,7 +13862,7 @@
                 </a:tc>
                 <a:extLst>
                   <a:ext uri="{0D108BD9-81ED-4DB2-BD59-A6C34878D82A}">
-                    <a16:rowId xmlns:a16="http://schemas.microsoft.com/office/drawing/2014/main" val="3871450458"/>
+                    <a16:rowId xmlns:a16="http://schemas.microsoft.com/office/drawing/2014/main" xmlns="" val="3871450458"/>
                   </a:ext>
                 </a:extLst>
               </a:tr>
@@ -13859,7 +14070,7 @@
                 </a:tc>
                 <a:extLst>
                   <a:ext uri="{0D108BD9-81ED-4DB2-BD59-A6C34878D82A}">
-                    <a16:rowId xmlns:a16="http://schemas.microsoft.com/office/drawing/2014/main" val="1879883355"/>
+                    <a16:rowId xmlns:a16="http://schemas.microsoft.com/office/drawing/2014/main" xmlns="" val="1879883355"/>
                   </a:ext>
                 </a:extLst>
               </a:tr>
@@ -14073,7 +14284,7 @@
                 </a:tc>
                 <a:extLst>
                   <a:ext uri="{0D108BD9-81ED-4DB2-BD59-A6C34878D82A}">
-                    <a16:rowId xmlns:a16="http://schemas.microsoft.com/office/drawing/2014/main" val="2074548267"/>
+                    <a16:rowId xmlns:a16="http://schemas.microsoft.com/office/drawing/2014/main" xmlns="" val="2074548267"/>
                   </a:ext>
                 </a:extLst>
               </a:tr>
@@ -14287,7 +14498,7 @@
                 </a:tc>
                 <a:extLst>
                   <a:ext uri="{0D108BD9-81ED-4DB2-BD59-A6C34878D82A}">
-                    <a16:rowId xmlns:a16="http://schemas.microsoft.com/office/drawing/2014/main" val="1860212916"/>
+                    <a16:rowId xmlns:a16="http://schemas.microsoft.com/office/drawing/2014/main" xmlns="" val="1860212916"/>
                   </a:ext>
                 </a:extLst>
               </a:tr>
@@ -14486,7 +14697,7 @@
                 </a:tc>
                 <a:extLst>
                   <a:ext uri="{0D108BD9-81ED-4DB2-BD59-A6C34878D82A}">
-                    <a16:rowId xmlns:a16="http://schemas.microsoft.com/office/drawing/2014/main" val="2778876256"/>
+                    <a16:rowId xmlns:a16="http://schemas.microsoft.com/office/drawing/2014/main" xmlns="" val="2778876256"/>
                   </a:ext>
                 </a:extLst>
               </a:tr>
@@ -14685,7 +14896,7 @@
                 </a:tc>
                 <a:extLst>
                   <a:ext uri="{0D108BD9-81ED-4DB2-BD59-A6C34878D82A}">
-                    <a16:rowId xmlns:a16="http://schemas.microsoft.com/office/drawing/2014/main" val="1426937256"/>
+                    <a16:rowId xmlns:a16="http://schemas.microsoft.com/office/drawing/2014/main" xmlns="" val="1426937256"/>
                   </a:ext>
                 </a:extLst>
               </a:tr>
@@ -14854,7 +15065,7 @@
                 </a:tc>
                 <a:extLst>
                   <a:ext uri="{0D108BD9-81ED-4DB2-BD59-A6C34878D82A}">
-                    <a16:rowId xmlns:a16="http://schemas.microsoft.com/office/drawing/2014/main" val="1907559609"/>
+                    <a16:rowId xmlns:a16="http://schemas.microsoft.com/office/drawing/2014/main" xmlns="" val="1907559609"/>
                   </a:ext>
                 </a:extLst>
               </a:tr>
@@ -15038,7 +15249,7 @@
                 </a:tc>
                 <a:extLst>
                   <a:ext uri="{0D108BD9-81ED-4DB2-BD59-A6C34878D82A}">
-                    <a16:rowId xmlns:a16="http://schemas.microsoft.com/office/drawing/2014/main" val="3489753535"/>
+                    <a16:rowId xmlns:a16="http://schemas.microsoft.com/office/drawing/2014/main" xmlns="" val="3489753535"/>
                   </a:ext>
                 </a:extLst>
               </a:tr>
@@ -15222,7 +15433,7 @@
                 </a:tc>
                 <a:extLst>
                   <a:ext uri="{0D108BD9-81ED-4DB2-BD59-A6C34878D82A}">
-                    <a16:rowId xmlns:a16="http://schemas.microsoft.com/office/drawing/2014/main" val="3795205318"/>
+                    <a16:rowId xmlns:a16="http://schemas.microsoft.com/office/drawing/2014/main" xmlns="" val="3795205318"/>
                   </a:ext>
                 </a:extLst>
               </a:tr>
@@ -15406,7 +15617,7 @@
                 </a:tc>
                 <a:extLst>
                   <a:ext uri="{0D108BD9-81ED-4DB2-BD59-A6C34878D82A}">
-                    <a16:rowId xmlns:a16="http://schemas.microsoft.com/office/drawing/2014/main" val="2415240978"/>
+                    <a16:rowId xmlns:a16="http://schemas.microsoft.com/office/drawing/2014/main" xmlns="" val="2415240978"/>
                   </a:ext>
                 </a:extLst>
               </a:tr>
@@ -15590,7 +15801,7 @@
                 </a:tc>
                 <a:extLst>
                   <a:ext uri="{0D108BD9-81ED-4DB2-BD59-A6C34878D82A}">
-                    <a16:rowId xmlns:a16="http://schemas.microsoft.com/office/drawing/2014/main" val="2004148851"/>
+                    <a16:rowId xmlns:a16="http://schemas.microsoft.com/office/drawing/2014/main" xmlns="" val="2004148851"/>
                   </a:ext>
                 </a:extLst>
               </a:tr>
@@ -15774,7 +15985,7 @@
                 </a:tc>
                 <a:extLst>
                   <a:ext uri="{0D108BD9-81ED-4DB2-BD59-A6C34878D82A}">
-                    <a16:rowId xmlns:a16="http://schemas.microsoft.com/office/drawing/2014/main" val="2446963814"/>
+                    <a16:rowId xmlns:a16="http://schemas.microsoft.com/office/drawing/2014/main" xmlns="" val="2446963814"/>
                   </a:ext>
                 </a:extLst>
               </a:tr>
@@ -15958,7 +16169,7 @@
                 </a:tc>
                 <a:extLst>
                   <a:ext uri="{0D108BD9-81ED-4DB2-BD59-A6C34878D82A}">
-                    <a16:rowId xmlns:a16="http://schemas.microsoft.com/office/drawing/2014/main" val="1324787074"/>
+                    <a16:rowId xmlns:a16="http://schemas.microsoft.com/office/drawing/2014/main" xmlns="" val="1324787074"/>
                   </a:ext>
                 </a:extLst>
               </a:tr>
@@ -16142,7 +16353,7 @@
                 </a:tc>
                 <a:extLst>
                   <a:ext uri="{0D108BD9-81ED-4DB2-BD59-A6C34878D82A}">
-                    <a16:rowId xmlns:a16="http://schemas.microsoft.com/office/drawing/2014/main" val="1561633891"/>
+                    <a16:rowId xmlns:a16="http://schemas.microsoft.com/office/drawing/2014/main" xmlns="" val="1561633891"/>
                   </a:ext>
                 </a:extLst>
               </a:tr>
@@ -16332,7 +16543,7 @@
                 </a:tc>
                 <a:extLst>
                   <a:ext uri="{0D108BD9-81ED-4DB2-BD59-A6C34878D82A}">
-                    <a16:rowId xmlns:a16="http://schemas.microsoft.com/office/drawing/2014/main" val="3401370237"/>
+                    <a16:rowId xmlns:a16="http://schemas.microsoft.com/office/drawing/2014/main" xmlns="" val="3401370237"/>
                   </a:ext>
                 </a:extLst>
               </a:tr>
